--- a/Documents/Thesis Presentation.pptx
+++ b/Documents/Thesis Presentation.pptx
@@ -221,7 +221,7 @@
           <a:p>
             <a:fld id="{0E1EABD1-AD18-4826-B8CF-BE30E3309403}" type="datetimeFigureOut">
               <a:rPr lang="en-US" smtClean="0"/>
-              <a:t>6/24/2024</a:t>
+              <a:t>6/27/2024</a:t>
             </a:fld>
             <a:endParaRPr lang="en-US"/>
           </a:p>
@@ -532,7 +532,7 @@
           <a:bodyPr/>
           <a:lstStyle/>
           <a:p>
-            <a:endParaRPr lang="en-US" dirty="0"/>
+            <a:endParaRPr lang="en-US"/>
           </a:p>
         </p:txBody>
       </p:sp>
@@ -553,7 +553,7 @@
           <a:p>
             <a:fld id="{4A2C139C-3388-42F8-89B7-A7947B9E1208}" type="slidenum">
               <a:rPr lang="en-US" smtClean="0"/>
-              <a:t>3</a:t>
+              <a:t>1</a:t>
             </a:fld>
             <a:endParaRPr lang="en-US"/>
           </a:p>
@@ -562,7 +562,7 @@
     </p:spTree>
     <p:extLst>
       <p:ext uri="{BB962C8B-B14F-4D97-AF65-F5344CB8AC3E}">
-        <p14:creationId xmlns:p14="http://schemas.microsoft.com/office/powerpoint/2010/main" val="3174521726"/>
+        <p14:creationId xmlns:p14="http://schemas.microsoft.com/office/powerpoint/2010/main" val="3954898401"/>
       </p:ext>
     </p:extLst>
   </p:cSld>
@@ -637,7 +637,7 @@
           <a:p>
             <a:fld id="{4A2C139C-3388-42F8-89B7-A7947B9E1208}" type="slidenum">
               <a:rPr lang="en-US" smtClean="0"/>
-              <a:t>12</a:t>
+              <a:t>11</a:t>
             </a:fld>
             <a:endParaRPr lang="en-US"/>
           </a:p>
@@ -646,7 +646,7 @@
     </p:spTree>
     <p:extLst>
       <p:ext uri="{BB962C8B-B14F-4D97-AF65-F5344CB8AC3E}">
-        <p14:creationId xmlns:p14="http://schemas.microsoft.com/office/powerpoint/2010/main" val="1784601607"/>
+        <p14:creationId xmlns:p14="http://schemas.microsoft.com/office/powerpoint/2010/main" val="1396846275"/>
       </p:ext>
     </p:extLst>
   </p:cSld>
@@ -721,6 +721,90 @@
           <a:p>
             <a:fld id="{4A2C139C-3388-42F8-89B7-A7947B9E1208}" type="slidenum">
               <a:rPr lang="en-US" smtClean="0"/>
+              <a:t>12</a:t>
+            </a:fld>
+            <a:endParaRPr lang="en-US"/>
+          </a:p>
+        </p:txBody>
+      </p:sp>
+    </p:spTree>
+    <p:extLst>
+      <p:ext uri="{BB962C8B-B14F-4D97-AF65-F5344CB8AC3E}">
+        <p14:creationId xmlns:p14="http://schemas.microsoft.com/office/powerpoint/2010/main" val="1784601607"/>
+      </p:ext>
+    </p:extLst>
+  </p:cSld>
+  <p:clrMapOvr>
+    <a:masterClrMapping/>
+  </p:clrMapOvr>
+</p:notes>
+</file>
+
+<file path=ppt/notesSlides/notesSlide12.xml><?xml version="1.0" encoding="utf-8"?>
+<p:notes xmlns:a="http://schemas.openxmlformats.org/drawingml/2006/main" xmlns:r="http://schemas.openxmlformats.org/officeDocument/2006/relationships" xmlns:p="http://schemas.openxmlformats.org/presentationml/2006/main">
+  <p:cSld>
+    <p:spTree>
+      <p:nvGrpSpPr>
+        <p:cNvPr id="1" name=""/>
+        <p:cNvGrpSpPr/>
+        <p:nvPr/>
+      </p:nvGrpSpPr>
+      <p:grpSpPr>
+        <a:xfrm>
+          <a:off x="0" y="0"/>
+          <a:ext cx="0" cy="0"/>
+          <a:chOff x="0" y="0"/>
+          <a:chExt cx="0" cy="0"/>
+        </a:xfrm>
+      </p:grpSpPr>
+      <p:sp>
+        <p:nvSpPr>
+          <p:cNvPr id="2" name="Slide Image Placeholder 1"/>
+          <p:cNvSpPr>
+            <a:spLocks noGrp="1" noRot="1" noChangeAspect="1"/>
+          </p:cNvSpPr>
+          <p:nvPr>
+            <p:ph type="sldImg"/>
+          </p:nvPr>
+        </p:nvSpPr>
+        <p:spPr/>
+      </p:sp>
+      <p:sp>
+        <p:nvSpPr>
+          <p:cNvPr id="3" name="Notes Placeholder 2"/>
+          <p:cNvSpPr>
+            <a:spLocks noGrp="1"/>
+          </p:cNvSpPr>
+          <p:nvPr>
+            <p:ph type="body" idx="1"/>
+          </p:nvPr>
+        </p:nvSpPr>
+        <p:spPr/>
+        <p:txBody>
+          <a:bodyPr/>
+          <a:lstStyle/>
+          <a:p>
+            <a:endParaRPr lang="en-US" dirty="0"/>
+          </a:p>
+        </p:txBody>
+      </p:sp>
+      <p:sp>
+        <p:nvSpPr>
+          <p:cNvPr id="4" name="Slide Number Placeholder 3"/>
+          <p:cNvSpPr>
+            <a:spLocks noGrp="1"/>
+          </p:cNvSpPr>
+          <p:nvPr>
+            <p:ph type="sldNum" sz="quarter" idx="5"/>
+          </p:nvPr>
+        </p:nvSpPr>
+        <p:spPr/>
+        <p:txBody>
+          <a:bodyPr/>
+          <a:lstStyle/>
+          <a:p>
+            <a:fld id="{4A2C139C-3388-42F8-89B7-A7947B9E1208}" type="slidenum">
+              <a:rPr lang="en-US" smtClean="0"/>
               <a:t>13</a:t>
             </a:fld>
             <a:endParaRPr lang="en-US"/>
@@ -740,7 +824,7 @@
 </p:notes>
 </file>
 
-<file path=ppt/notesSlides/notesSlide12.xml><?xml version="1.0" encoding="utf-8"?>
+<file path=ppt/notesSlides/notesSlide13.xml><?xml version="1.0" encoding="utf-8"?>
 <p:notes xmlns:a="http://schemas.openxmlformats.org/drawingml/2006/main" xmlns:r="http://schemas.openxmlformats.org/officeDocument/2006/relationships" xmlns:p="http://schemas.openxmlformats.org/presentationml/2006/main">
   <p:cSld>
     <p:spTree>
@@ -889,7 +973,7 @@
           <a:p>
             <a:fld id="{4A2C139C-3388-42F8-89B7-A7947B9E1208}" type="slidenum">
               <a:rPr lang="en-US" smtClean="0"/>
-              <a:t>4</a:t>
+              <a:t>3</a:t>
             </a:fld>
             <a:endParaRPr lang="en-US"/>
           </a:p>
@@ -898,7 +982,7 @@
     </p:spTree>
     <p:extLst>
       <p:ext uri="{BB962C8B-B14F-4D97-AF65-F5344CB8AC3E}">
-        <p14:creationId xmlns:p14="http://schemas.microsoft.com/office/powerpoint/2010/main" val="2649346568"/>
+        <p14:creationId xmlns:p14="http://schemas.microsoft.com/office/powerpoint/2010/main" val="3174521726"/>
       </p:ext>
     </p:extLst>
   </p:cSld>
@@ -973,7 +1057,7 @@
           <a:p>
             <a:fld id="{4A2C139C-3388-42F8-89B7-A7947B9E1208}" type="slidenum">
               <a:rPr lang="en-US" smtClean="0"/>
-              <a:t>5</a:t>
+              <a:t>4</a:t>
             </a:fld>
             <a:endParaRPr lang="en-US"/>
           </a:p>
@@ -982,7 +1066,7 @@
     </p:spTree>
     <p:extLst>
       <p:ext uri="{BB962C8B-B14F-4D97-AF65-F5344CB8AC3E}">
-        <p14:creationId xmlns:p14="http://schemas.microsoft.com/office/powerpoint/2010/main" val="2700859121"/>
+        <p14:creationId xmlns:p14="http://schemas.microsoft.com/office/powerpoint/2010/main" val="2649346568"/>
       </p:ext>
     </p:extLst>
   </p:cSld>
@@ -1057,7 +1141,7 @@
           <a:p>
             <a:fld id="{4A2C139C-3388-42F8-89B7-A7947B9E1208}" type="slidenum">
               <a:rPr lang="en-US" smtClean="0"/>
-              <a:t>6</a:t>
+              <a:t>5</a:t>
             </a:fld>
             <a:endParaRPr lang="en-US"/>
           </a:p>
@@ -1066,7 +1150,7 @@
     </p:spTree>
     <p:extLst>
       <p:ext uri="{BB962C8B-B14F-4D97-AF65-F5344CB8AC3E}">
-        <p14:creationId xmlns:p14="http://schemas.microsoft.com/office/powerpoint/2010/main" val="1844494444"/>
+        <p14:creationId xmlns:p14="http://schemas.microsoft.com/office/powerpoint/2010/main" val="2700859121"/>
       </p:ext>
     </p:extLst>
   </p:cSld>
@@ -1141,7 +1225,7 @@
           <a:p>
             <a:fld id="{4A2C139C-3388-42F8-89B7-A7947B9E1208}" type="slidenum">
               <a:rPr lang="en-US" smtClean="0"/>
-              <a:t>7</a:t>
+              <a:t>6</a:t>
             </a:fld>
             <a:endParaRPr lang="en-US"/>
           </a:p>
@@ -1150,7 +1234,7 @@
     </p:spTree>
     <p:extLst>
       <p:ext uri="{BB962C8B-B14F-4D97-AF65-F5344CB8AC3E}">
-        <p14:creationId xmlns:p14="http://schemas.microsoft.com/office/powerpoint/2010/main" val="1539266766"/>
+        <p14:creationId xmlns:p14="http://schemas.microsoft.com/office/powerpoint/2010/main" val="1844494444"/>
       </p:ext>
     </p:extLst>
   </p:cSld>
@@ -1225,7 +1309,7 @@
           <a:p>
             <a:fld id="{4A2C139C-3388-42F8-89B7-A7947B9E1208}" type="slidenum">
               <a:rPr lang="en-US" smtClean="0"/>
-              <a:t>8</a:t>
+              <a:t>7</a:t>
             </a:fld>
             <a:endParaRPr lang="en-US"/>
           </a:p>
@@ -1234,7 +1318,7 @@
     </p:spTree>
     <p:extLst>
       <p:ext uri="{BB962C8B-B14F-4D97-AF65-F5344CB8AC3E}">
-        <p14:creationId xmlns:p14="http://schemas.microsoft.com/office/powerpoint/2010/main" val="2758071137"/>
+        <p14:creationId xmlns:p14="http://schemas.microsoft.com/office/powerpoint/2010/main" val="1539266766"/>
       </p:ext>
     </p:extLst>
   </p:cSld>
@@ -1309,7 +1393,7 @@
           <a:p>
             <a:fld id="{4A2C139C-3388-42F8-89B7-A7947B9E1208}" type="slidenum">
               <a:rPr lang="en-US" smtClean="0"/>
-              <a:t>9</a:t>
+              <a:t>8</a:t>
             </a:fld>
             <a:endParaRPr lang="en-US"/>
           </a:p>
@@ -1318,7 +1402,7 @@
     </p:spTree>
     <p:extLst>
       <p:ext uri="{BB962C8B-B14F-4D97-AF65-F5344CB8AC3E}">
-        <p14:creationId xmlns:p14="http://schemas.microsoft.com/office/powerpoint/2010/main" val="1396165891"/>
+        <p14:creationId xmlns:p14="http://schemas.microsoft.com/office/powerpoint/2010/main" val="2758071137"/>
       </p:ext>
     </p:extLst>
   </p:cSld>
@@ -1393,7 +1477,7 @@
           <a:p>
             <a:fld id="{4A2C139C-3388-42F8-89B7-A7947B9E1208}" type="slidenum">
               <a:rPr lang="en-US" smtClean="0"/>
-              <a:t>10</a:t>
+              <a:t>9</a:t>
             </a:fld>
             <a:endParaRPr lang="en-US"/>
           </a:p>
@@ -1402,7 +1486,7 @@
     </p:spTree>
     <p:extLst>
       <p:ext uri="{BB962C8B-B14F-4D97-AF65-F5344CB8AC3E}">
-        <p14:creationId xmlns:p14="http://schemas.microsoft.com/office/powerpoint/2010/main" val="3293674618"/>
+        <p14:creationId xmlns:p14="http://schemas.microsoft.com/office/powerpoint/2010/main" val="1396165891"/>
       </p:ext>
     </p:extLst>
   </p:cSld>
@@ -1477,7 +1561,7 @@
           <a:p>
             <a:fld id="{4A2C139C-3388-42F8-89B7-A7947B9E1208}" type="slidenum">
               <a:rPr lang="en-US" smtClean="0"/>
-              <a:t>11</a:t>
+              <a:t>10</a:t>
             </a:fld>
             <a:endParaRPr lang="en-US"/>
           </a:p>
@@ -1486,7 +1570,7 @@
     </p:spTree>
     <p:extLst>
       <p:ext uri="{BB962C8B-B14F-4D97-AF65-F5344CB8AC3E}">
-        <p14:creationId xmlns:p14="http://schemas.microsoft.com/office/powerpoint/2010/main" val="1396846275"/>
+        <p14:creationId xmlns:p14="http://schemas.microsoft.com/office/powerpoint/2010/main" val="3293674618"/>
       </p:ext>
     </p:extLst>
   </p:cSld>
@@ -1625,7 +1709,7 @@
           <a:p>
             <a:fld id="{C6D98F47-2055-4D27-8B30-9F446B1F5CF2}" type="datetime1">
               <a:rPr lang="en-US" smtClean="0"/>
-              <a:t>6/24/2024</a:t>
+              <a:t>6/27/2024</a:t>
             </a:fld>
             <a:endParaRPr lang="en-US"/>
           </a:p>
@@ -1788,7 +1872,7 @@
           <a:p>
             <a:fld id="{6734669A-2A1E-4F76-8E1B-BB7B7C5F5AA3}" type="datetime1">
               <a:rPr lang="en-US" smtClean="0"/>
-              <a:t>6/24/2024</a:t>
+              <a:t>6/27/2024</a:t>
             </a:fld>
             <a:endParaRPr lang="en-US"/>
           </a:p>
@@ -1961,7 +2045,7 @@
           <a:p>
             <a:fld id="{8A0BCD78-D4F1-4992-9A9A-03A6635DF7C9}" type="datetime1">
               <a:rPr lang="en-US" smtClean="0"/>
-              <a:t>6/24/2024</a:t>
+              <a:t>6/27/2024</a:t>
             </a:fld>
             <a:endParaRPr lang="en-US"/>
           </a:p>
@@ -2124,7 +2208,7 @@
           <a:p>
             <a:fld id="{B57F4891-25DF-4AED-BAD0-1CE4306B8435}" type="datetime1">
               <a:rPr lang="en-US" smtClean="0"/>
-              <a:t>6/24/2024</a:t>
+              <a:t>6/27/2024</a:t>
             </a:fld>
             <a:endParaRPr lang="en-US"/>
           </a:p>
@@ -2364,7 +2448,7 @@
           <a:p>
             <a:fld id="{68671D51-55E0-4853-9A31-CFB54FCCE0AE}" type="datetime1">
               <a:rPr lang="en-US" smtClean="0"/>
-              <a:t>6/24/2024</a:t>
+              <a:t>6/27/2024</a:t>
             </a:fld>
             <a:endParaRPr lang="en-US"/>
           </a:p>
@@ -2588,7 +2672,7 @@
           <a:p>
             <a:fld id="{1368D04E-25FC-4701-A3EF-1B9DA49279A8}" type="datetime1">
               <a:rPr lang="en-US" smtClean="0"/>
-              <a:t>6/24/2024</a:t>
+              <a:t>6/27/2024</a:t>
             </a:fld>
             <a:endParaRPr lang="en-US"/>
           </a:p>
@@ -2947,7 +3031,7 @@
           <a:p>
             <a:fld id="{F7DA7105-D83D-480C-86E3-70EB6F4A0C33}" type="datetime1">
               <a:rPr lang="en-US" smtClean="0"/>
-              <a:t>6/24/2024</a:t>
+              <a:t>6/27/2024</a:t>
             </a:fld>
             <a:endParaRPr lang="en-US"/>
           </a:p>
@@ -3059,7 +3143,7 @@
           <a:p>
             <a:fld id="{5C9F4FC2-99D0-4AC4-BEF7-8BCB3B7543B2}" type="datetime1">
               <a:rPr lang="en-US" smtClean="0"/>
-              <a:t>6/24/2024</a:t>
+              <a:t>6/27/2024</a:t>
             </a:fld>
             <a:endParaRPr lang="en-US"/>
           </a:p>
@@ -3149,7 +3233,7 @@
           <a:p>
             <a:fld id="{B6A25463-D639-4810-8951-09B6FB510F44}" type="datetime1">
               <a:rPr lang="en-US" smtClean="0"/>
-              <a:t>6/24/2024</a:t>
+              <a:t>6/27/2024</a:t>
             </a:fld>
             <a:endParaRPr lang="en-US"/>
           </a:p>
@@ -3419,7 +3503,7 @@
           <a:p>
             <a:fld id="{8948EE34-FFFF-43AF-B9D1-013E5C4ABB86}" type="datetime1">
               <a:rPr lang="en-US" smtClean="0"/>
-              <a:t>6/24/2024</a:t>
+              <a:t>6/27/2024</a:t>
             </a:fld>
             <a:endParaRPr lang="en-US"/>
           </a:p>
@@ -3666,7 +3750,7 @@
           <a:p>
             <a:fld id="{DBFFC16C-F7BE-4D8A-8A1C-29F54F03BCA1}" type="datetime1">
               <a:rPr lang="en-US" smtClean="0"/>
-              <a:t>6/24/2024</a:t>
+              <a:t>6/27/2024</a:t>
             </a:fld>
             <a:endParaRPr lang="en-US"/>
           </a:p>
@@ -3872,7 +3956,7 @@
           <a:p>
             <a:fld id="{60F66ED6-9401-405F-AF8A-3DD8180338D9}" type="datetime1">
               <a:rPr lang="en-US" smtClean="0"/>
-              <a:t>6/24/2024</a:t>
+              <a:t>6/27/2024</a:t>
             </a:fld>
             <a:endParaRPr lang="en-US"/>
           </a:p>
@@ -4287,7 +4371,7 @@
           <p:nvPr/>
         </p:nvPicPr>
         <p:blipFill>
-          <a:blip r:embed="rId2" cstate="print">
+          <a:blip r:embed="rId3" cstate="print">
             <a:extLst>
               <a:ext uri="{28A0092B-C50C-407E-A947-70E740481C1C}">
                 <a14:useLocalDpi xmlns:a14="http://schemas.microsoft.com/office/drawing/2010/main" val="0"/>
@@ -5256,7 +5340,7 @@
           <p:nvPr/>
         </p:nvPicPr>
         <p:blipFill>
-          <a:blip r:embed="rId3" cstate="print">
+          <a:blip r:embed="rId4" cstate="print">
             <a:extLst>
               <a:ext uri="{28A0092B-C50C-407E-A947-70E740481C1C}">
                 <a14:useLocalDpi xmlns:a14="http://schemas.microsoft.com/office/drawing/2010/main" val="0"/>
@@ -5617,7 +5701,7 @@
         <p:spPr>
           <a:xfrm>
             <a:off x="599457" y="1337488"/>
-            <a:ext cx="8064872" cy="1631216"/>
+            <a:ext cx="8064872" cy="1015663"/>
           </a:xfrm>
           <a:prstGeom prst="rect">
             <a:avLst/>
@@ -5774,13 +5858,13 @@
               <a:rPr lang="en-US" sz="2000" dirty="0" err="1">
                 <a:latin typeface="UT Sans" pitchFamily="50" charset="0"/>
               </a:rPr>
-              <a:t>extrași</a:t>
-            </a:r>
-            <a:r>
-              <a:rPr lang="en-US" sz="2000" dirty="0">
-                <a:latin typeface="UT Sans" pitchFamily="50" charset="0"/>
-              </a:rPr>
-              <a:t>, a </a:t>
+              <a:t>extrașia</a:t>
+            </a:r>
+            <a:r>
+              <a:rPr lang="en-US" sz="2000" dirty="0">
+                <a:latin typeface="UT Sans" pitchFamily="50" charset="0"/>
+              </a:rPr>
+              <a:t> </a:t>
             </a:r>
             <a:r>
               <a:rPr lang="en-US" sz="2000" dirty="0" err="1">
@@ -5829,150 +5913,6 @@
                 <a:latin typeface="UT Sans" pitchFamily="50" charset="0"/>
               </a:rPr>
               <a:t> train-test. </a:t>
-            </a:r>
-            <a:r>
-              <a:rPr lang="en-US" sz="2000" dirty="0" err="1">
-                <a:latin typeface="UT Sans" pitchFamily="50" charset="0"/>
-              </a:rPr>
-              <a:t>Acest</a:t>
-            </a:r>
-            <a:r>
-              <a:rPr lang="en-US" sz="2000" dirty="0">
-                <a:latin typeface="UT Sans" pitchFamily="50" charset="0"/>
-              </a:rPr>
-              <a:t> test </a:t>
-            </a:r>
-            <a:r>
-              <a:rPr lang="en-US" sz="2000" dirty="0" err="1">
-                <a:latin typeface="UT Sans" pitchFamily="50" charset="0"/>
-              </a:rPr>
-              <a:t>verifică</a:t>
-            </a:r>
-            <a:r>
-              <a:rPr lang="en-US" sz="2000" dirty="0">
-                <a:latin typeface="UT Sans" pitchFamily="50" charset="0"/>
-              </a:rPr>
-              <a:t> </a:t>
-            </a:r>
-            <a:r>
-              <a:rPr lang="en-US" sz="2000" dirty="0" err="1">
-                <a:latin typeface="UT Sans" pitchFamily="50" charset="0"/>
-              </a:rPr>
-              <a:t>precizia</a:t>
-            </a:r>
-            <a:r>
-              <a:rPr lang="en-US" sz="2000" dirty="0">
-                <a:latin typeface="UT Sans" pitchFamily="50" charset="0"/>
-              </a:rPr>
-              <a:t> </a:t>
-            </a:r>
-            <a:r>
-              <a:rPr lang="en-US" sz="2000" dirty="0" err="1">
-                <a:latin typeface="UT Sans" pitchFamily="50" charset="0"/>
-              </a:rPr>
-              <a:t>predicțiilor</a:t>
-            </a:r>
-            <a:r>
-              <a:rPr lang="en-US" sz="2000" dirty="0">
-                <a:latin typeface="UT Sans" pitchFamily="50" charset="0"/>
-              </a:rPr>
-              <a:t> </a:t>
-            </a:r>
-            <a:r>
-              <a:rPr lang="en-US" sz="2000" dirty="0" err="1">
-                <a:latin typeface="UT Sans" pitchFamily="50" charset="0"/>
-              </a:rPr>
-              <a:t>făcute</a:t>
-            </a:r>
-            <a:r>
-              <a:rPr lang="en-US" sz="2000" dirty="0">
-                <a:latin typeface="UT Sans" pitchFamily="50" charset="0"/>
-              </a:rPr>
-              <a:t> de model </a:t>
-            </a:r>
-            <a:r>
-              <a:rPr lang="en-US" sz="2000" dirty="0" err="1">
-                <a:latin typeface="UT Sans" pitchFamily="50" charset="0"/>
-              </a:rPr>
-              <a:t>în</a:t>
-            </a:r>
-            <a:r>
-              <a:rPr lang="en-US" sz="2000" dirty="0">
-                <a:latin typeface="UT Sans" pitchFamily="50" charset="0"/>
-              </a:rPr>
-              <a:t> </a:t>
-            </a:r>
-            <a:r>
-              <a:rPr lang="en-US" sz="2000" dirty="0" err="1">
-                <a:latin typeface="UT Sans" pitchFamily="50" charset="0"/>
-              </a:rPr>
-              <a:t>comparație</a:t>
-            </a:r>
-            <a:r>
-              <a:rPr lang="en-US" sz="2000" dirty="0">
-                <a:latin typeface="UT Sans" pitchFamily="50" charset="0"/>
-              </a:rPr>
-              <a:t> cu </a:t>
-            </a:r>
-            <a:r>
-              <a:rPr lang="en-US" sz="2000" dirty="0" err="1">
-                <a:latin typeface="UT Sans" pitchFamily="50" charset="0"/>
-              </a:rPr>
-              <a:t>valorile</a:t>
-            </a:r>
-            <a:r>
-              <a:rPr lang="en-US" sz="2000" dirty="0">
-                <a:latin typeface="UT Sans" pitchFamily="50" charset="0"/>
-              </a:rPr>
-              <a:t> </a:t>
-            </a:r>
-            <a:r>
-              <a:rPr lang="en-US" sz="2000" dirty="0" err="1">
-                <a:latin typeface="UT Sans" pitchFamily="50" charset="0"/>
-              </a:rPr>
-              <a:t>reale</a:t>
-            </a:r>
-            <a:r>
-              <a:rPr lang="en-US" sz="2000" dirty="0">
-                <a:latin typeface="UT Sans" pitchFamily="50" charset="0"/>
-              </a:rPr>
-              <a:t>, </a:t>
-            </a:r>
-            <a:r>
-              <a:rPr lang="en-US" sz="2000" dirty="0" err="1">
-                <a:latin typeface="UT Sans" pitchFamily="50" charset="0"/>
-              </a:rPr>
-              <a:t>obținând</a:t>
-            </a:r>
-            <a:r>
-              <a:rPr lang="en-US" sz="2000" dirty="0">
-                <a:latin typeface="UT Sans" pitchFamily="50" charset="0"/>
-              </a:rPr>
-              <a:t> o </a:t>
-            </a:r>
-            <a:r>
-              <a:rPr lang="en-US" sz="2000" dirty="0" err="1">
-                <a:latin typeface="UT Sans" pitchFamily="50" charset="0"/>
-              </a:rPr>
-              <a:t>acuratețe</a:t>
-            </a:r>
-            <a:r>
-              <a:rPr lang="en-US" sz="2000" dirty="0">
-                <a:latin typeface="UT Sans" pitchFamily="50" charset="0"/>
-              </a:rPr>
-              <a:t> pe </a:t>
-            </a:r>
-            <a:r>
-              <a:rPr lang="en-US" sz="2000" dirty="0" err="1">
-                <a:latin typeface="UT Sans" pitchFamily="50" charset="0"/>
-              </a:rPr>
-              <a:t>setul</a:t>
-            </a:r>
-            <a:r>
-              <a:rPr lang="en-US" sz="2000" dirty="0">
-                <a:latin typeface="UT Sans" pitchFamily="50" charset="0"/>
-              </a:rPr>
-              <a:t> de date artificial de 87%.</a:t>
             </a:r>
           </a:p>
         </p:txBody>
@@ -6005,14 +5945,82 @@
         </p:blipFill>
         <p:spPr>
           <a:xfrm>
-            <a:off x="2265391" y="2950259"/>
-            <a:ext cx="4733004" cy="3549752"/>
+            <a:off x="2123728" y="2433209"/>
+            <a:ext cx="4896544" cy="3672408"/>
           </a:xfrm>
           <a:prstGeom prst="rect">
             <a:avLst/>
           </a:prstGeom>
         </p:spPr>
       </p:pic>
+      <p:sp>
+        <p:nvSpPr>
+          <p:cNvPr id="9" name="TextBox 8">
+            <a:extLst>
+              <a:ext uri="{FF2B5EF4-FFF2-40B4-BE49-F238E27FC236}">
+                <a16:creationId xmlns:a16="http://schemas.microsoft.com/office/drawing/2014/main" id="{FDDCC421-F8F8-0F1A-4E0D-2C2FE1345121}"/>
+              </a:ext>
+            </a:extLst>
+          </p:cNvPr>
+          <p:cNvSpPr txBox="1"/>
+          <p:nvPr/>
+        </p:nvSpPr>
+        <p:spPr>
+          <a:xfrm>
+            <a:off x="2123728" y="6158332"/>
+            <a:ext cx="4896544" cy="276999"/>
+          </a:xfrm>
+          <a:prstGeom prst="rect">
+            <a:avLst/>
+          </a:prstGeom>
+          <a:noFill/>
+        </p:spPr>
+        <p:txBody>
+          <a:bodyPr wrap="square" rtlCol="0">
+            <a:spAutoFit/>
+          </a:bodyPr>
+          <a:lstStyle/>
+          <a:p>
+            <a:pPr algn="ctr"/>
+            <a:r>
+              <a:rPr lang="en-US" sz="1200" dirty="0" err="1">
+                <a:latin typeface="UT Sans" panose="00000500000000000000" pitchFamily="2" charset="0"/>
+              </a:rPr>
+              <a:t>Procentajul</a:t>
+            </a:r>
+            <a:r>
+              <a:rPr lang="en-US" sz="1200" dirty="0">
+                <a:latin typeface="UT Sans" panose="00000500000000000000" pitchFamily="2" charset="0"/>
+              </a:rPr>
+              <a:t> de </a:t>
+            </a:r>
+            <a:r>
+              <a:rPr lang="en-US" sz="1200" dirty="0" err="1">
+                <a:latin typeface="UT Sans" panose="00000500000000000000" pitchFamily="2" charset="0"/>
+              </a:rPr>
+              <a:t>acuratețe</a:t>
+            </a:r>
+            <a:r>
+              <a:rPr lang="en-US" sz="1200" dirty="0">
+                <a:latin typeface="UT Sans" panose="00000500000000000000" pitchFamily="2" charset="0"/>
+              </a:rPr>
+              <a:t> al </a:t>
+            </a:r>
+            <a:r>
+              <a:rPr lang="en-US" sz="1200" dirty="0" err="1">
+                <a:latin typeface="UT Sans" panose="00000500000000000000" pitchFamily="2" charset="0"/>
+              </a:rPr>
+              <a:t>modelului</a:t>
+            </a:r>
+            <a:r>
+              <a:rPr lang="en-US" sz="1200" dirty="0">
+                <a:latin typeface="UT Sans" panose="00000500000000000000" pitchFamily="2" charset="0"/>
+              </a:rPr>
+              <a:t> Random Forest</a:t>
+            </a:r>
+          </a:p>
+        </p:txBody>
+      </p:sp>
     </p:spTree>
     <p:extLst>
       <p:ext uri="{BB962C8B-B14F-4D97-AF65-F5344CB8AC3E}">
@@ -6324,7 +6332,7 @@
         <p:spPr>
           <a:xfrm>
             <a:off x="599457" y="1337488"/>
-            <a:ext cx="8064872" cy="1631216"/>
+            <a:ext cx="8064872" cy="1015663"/>
           </a:xfrm>
           <a:prstGeom prst="rect">
             <a:avLst/>
@@ -6361,19 +6369,7 @@
               <a:rPr lang="en-US" sz="2000" dirty="0">
                 <a:latin typeface="UT Sans" pitchFamily="50" charset="0"/>
               </a:rPr>
-              <a:t>: </a:t>
-            </a:r>
-            <a:r>
-              <a:rPr lang="en-US" sz="2000" dirty="0" err="1">
-                <a:latin typeface="UT Sans" pitchFamily="50" charset="0"/>
-              </a:rPr>
-              <a:t>Coeficientul</a:t>
-            </a:r>
-            <a:r>
-              <a:rPr lang="en-US" sz="2000" dirty="0">
-                <a:latin typeface="UT Sans" pitchFamily="50" charset="0"/>
-              </a:rPr>
-              <a:t> Spearman a </a:t>
+              <a:t>: a </a:t>
             </a:r>
             <a:r>
               <a:rPr lang="en-US" sz="2000" dirty="0" err="1">
@@ -6541,103 +6537,7 @@
               <a:rPr lang="en-US" sz="2000" dirty="0">
                 <a:latin typeface="UT Sans" pitchFamily="50" charset="0"/>
               </a:rPr>
-              <a:t> de date artificial. </a:t>
-            </a:r>
-            <a:r>
-              <a:rPr lang="en-US" sz="2000" dirty="0" err="1">
-                <a:latin typeface="UT Sans" pitchFamily="50" charset="0"/>
-              </a:rPr>
-              <a:t>Modelul</a:t>
-            </a:r>
-            <a:r>
-              <a:rPr lang="en-US" sz="2000" dirty="0">
-                <a:latin typeface="UT Sans" pitchFamily="50" charset="0"/>
-              </a:rPr>
-              <a:t> Random Forest a </a:t>
-            </a:r>
-            <a:r>
-              <a:rPr lang="en-US" sz="2000" dirty="0" err="1">
-                <a:latin typeface="UT Sans" pitchFamily="50" charset="0"/>
-              </a:rPr>
-              <a:t>obținut</a:t>
-            </a:r>
-            <a:r>
-              <a:rPr lang="en-US" sz="2000" dirty="0">
-                <a:latin typeface="UT Sans" pitchFamily="50" charset="0"/>
-              </a:rPr>
-              <a:t> un </a:t>
-            </a:r>
-            <a:r>
-              <a:rPr lang="en-US" sz="2000" dirty="0" err="1">
-                <a:latin typeface="UT Sans" pitchFamily="50" charset="0"/>
-              </a:rPr>
-              <a:t>coeficient</a:t>
-            </a:r>
-            <a:r>
-              <a:rPr lang="en-US" sz="2000" dirty="0">
-                <a:latin typeface="UT Sans" pitchFamily="50" charset="0"/>
-              </a:rPr>
-              <a:t> Spearman de 0.85, </a:t>
-            </a:r>
-            <a:r>
-              <a:rPr lang="en-US" sz="2000" dirty="0" err="1">
-                <a:latin typeface="UT Sans" pitchFamily="50" charset="0"/>
-              </a:rPr>
-              <a:t>în</a:t>
-            </a:r>
-            <a:r>
-              <a:rPr lang="en-US" sz="2000" dirty="0">
-                <a:latin typeface="UT Sans" pitchFamily="50" charset="0"/>
-              </a:rPr>
-              <a:t> </a:t>
-            </a:r>
-            <a:r>
-              <a:rPr lang="en-US" sz="2000" dirty="0" err="1">
-                <a:latin typeface="UT Sans" pitchFamily="50" charset="0"/>
-              </a:rPr>
-              <a:t>timp</a:t>
-            </a:r>
-            <a:r>
-              <a:rPr lang="en-US" sz="2000" dirty="0">
-                <a:latin typeface="UT Sans" pitchFamily="50" charset="0"/>
-              </a:rPr>
-              <a:t> </a:t>
-            </a:r>
-            <a:r>
-              <a:rPr lang="en-US" sz="2000" dirty="0" err="1">
-                <a:latin typeface="UT Sans" pitchFamily="50" charset="0"/>
-              </a:rPr>
-              <a:t>ce</a:t>
-            </a:r>
-            <a:r>
-              <a:rPr lang="en-US" sz="2000" dirty="0">
-                <a:latin typeface="UT Sans" pitchFamily="50" charset="0"/>
-              </a:rPr>
-              <a:t> PCA a </a:t>
-            </a:r>
-            <a:r>
-              <a:rPr lang="en-US" sz="2000" dirty="0" err="1">
-                <a:latin typeface="UT Sans" pitchFamily="50" charset="0"/>
-              </a:rPr>
-              <a:t>obținut</a:t>
-            </a:r>
-            <a:r>
-              <a:rPr lang="en-US" sz="2000" dirty="0">
-                <a:latin typeface="UT Sans" pitchFamily="50" charset="0"/>
-              </a:rPr>
-              <a:t> un </a:t>
-            </a:r>
-            <a:r>
-              <a:rPr lang="en-US" sz="2000" dirty="0" err="1">
-                <a:latin typeface="UT Sans" pitchFamily="50" charset="0"/>
-              </a:rPr>
-              <a:t>coeficient</a:t>
-            </a:r>
-            <a:r>
-              <a:rPr lang="en-US" sz="2000" dirty="0">
-                <a:latin typeface="UT Sans" pitchFamily="50" charset="0"/>
-              </a:rPr>
-              <a:t> de 0.45.</a:t>
+              <a:t> de date artificial.</a:t>
             </a:r>
           </a:p>
         </p:txBody>
@@ -6670,14 +6570,82 @@
         </p:blipFill>
         <p:spPr>
           <a:xfrm>
-            <a:off x="2227235" y="3077432"/>
-            <a:ext cx="4809316" cy="3606986"/>
+            <a:off x="2209580" y="2551170"/>
+            <a:ext cx="4724840" cy="3543628"/>
           </a:xfrm>
           <a:prstGeom prst="rect">
             <a:avLst/>
           </a:prstGeom>
         </p:spPr>
       </p:pic>
+      <p:sp>
+        <p:nvSpPr>
+          <p:cNvPr id="3" name="TextBox 2">
+            <a:extLst>
+              <a:ext uri="{FF2B5EF4-FFF2-40B4-BE49-F238E27FC236}">
+                <a16:creationId xmlns:a16="http://schemas.microsoft.com/office/drawing/2014/main" id="{C12B5F49-23A5-4662-B570-4F5687B010F5}"/>
+              </a:ext>
+            </a:extLst>
+          </p:cNvPr>
+          <p:cNvSpPr txBox="1"/>
+          <p:nvPr/>
+        </p:nvSpPr>
+        <p:spPr>
+          <a:xfrm>
+            <a:off x="2209580" y="6206812"/>
+            <a:ext cx="4724840" cy="276999"/>
+          </a:xfrm>
+          <a:prstGeom prst="rect">
+            <a:avLst/>
+          </a:prstGeom>
+          <a:noFill/>
+        </p:spPr>
+        <p:txBody>
+          <a:bodyPr wrap="square" rtlCol="0">
+            <a:spAutoFit/>
+          </a:bodyPr>
+          <a:lstStyle/>
+          <a:p>
+            <a:pPr algn="ctr"/>
+            <a:r>
+              <a:rPr lang="en-US" sz="1200" dirty="0" err="1">
+                <a:latin typeface="UT Sans" panose="00000500000000000000" pitchFamily="2" charset="0"/>
+              </a:rPr>
+              <a:t>Coeficientul</a:t>
+            </a:r>
+            <a:r>
+              <a:rPr lang="en-US" sz="1200" dirty="0">
+                <a:latin typeface="UT Sans" panose="00000500000000000000" pitchFamily="2" charset="0"/>
+              </a:rPr>
+              <a:t> Spearman </a:t>
+            </a:r>
+            <a:r>
+              <a:rPr lang="en-US" sz="1200" dirty="0" err="1">
+                <a:latin typeface="UT Sans" panose="00000500000000000000" pitchFamily="2" charset="0"/>
+              </a:rPr>
+              <a:t>ob</a:t>
+            </a:r>
+            <a:r>
+              <a:rPr lang="en-US" sz="1200" dirty="0" err="1">
+                <a:latin typeface="UT Sans" pitchFamily="50" charset="0"/>
+              </a:rPr>
+              <a:t>ț</a:t>
+            </a:r>
+            <a:r>
+              <a:rPr lang="en-US" sz="1200" dirty="0" err="1">
+                <a:latin typeface="UT Sans" panose="00000500000000000000" pitchFamily="2" charset="0"/>
+              </a:rPr>
+              <a:t>inut</a:t>
+            </a:r>
+            <a:r>
+              <a:rPr lang="en-US" sz="1200" dirty="0">
+                <a:latin typeface="UT Sans" panose="00000500000000000000" pitchFamily="2" charset="0"/>
+              </a:rPr>
+              <a:t> de Random Forest VS PCA</a:t>
+            </a:r>
+          </a:p>
+        </p:txBody>
+      </p:sp>
     </p:spTree>
     <p:extLst>
       <p:ext uri="{BB962C8B-B14F-4D97-AF65-F5344CB8AC3E}">
@@ -7280,65 +7248,56 @@
               </a:buBlip>
             </a:pPr>
             <a:r>
-              <a:rPr lang="en-US" sz="2000" dirty="0" err="1">
-                <a:latin typeface="UT Sans" pitchFamily="50" charset="0"/>
-              </a:rPr>
-              <a:t>Integrarea</a:t>
-            </a:r>
-            <a:r>
-              <a:rPr lang="en-US" sz="2000" dirty="0">
+              <a:rPr lang="it-IT" sz="2000" dirty="0" err="1">
+                <a:latin typeface="UT Sans" pitchFamily="50" charset="0"/>
+              </a:rPr>
+              <a:t>Dezvoltarea</a:t>
+            </a:r>
+            <a:r>
+              <a:rPr lang="it-IT" sz="2000" dirty="0">
                 <a:latin typeface="UT Sans" pitchFamily="50" charset="0"/>
               </a:rPr>
               <a:t> </a:t>
             </a:r>
             <a:r>
-              <a:rPr lang="en-US" sz="2000" dirty="0" err="1">
-                <a:latin typeface="UT Sans" pitchFamily="50" charset="0"/>
-              </a:rPr>
-              <a:t>unor</a:t>
-            </a:r>
-            <a:r>
-              <a:rPr lang="en-US" sz="2000" dirty="0">
+              <a:rPr lang="it-IT" sz="2000" dirty="0" err="1">
+                <a:latin typeface="UT Sans" pitchFamily="50" charset="0"/>
+              </a:rPr>
+              <a:t>unei</a:t>
+            </a:r>
+            <a:r>
+              <a:rPr lang="it-IT" sz="2000" dirty="0">
                 <a:latin typeface="UT Sans" pitchFamily="50" charset="0"/>
               </a:rPr>
               <a:t> </a:t>
             </a:r>
             <a:r>
-              <a:rPr lang="en-US" sz="2000" dirty="0" err="1">
-                <a:latin typeface="UT Sans" pitchFamily="50" charset="0"/>
-              </a:rPr>
-              <a:t>metode</a:t>
-            </a:r>
-            <a:r>
-              <a:rPr lang="en-US" sz="2000" dirty="0">
-                <a:latin typeface="UT Sans" pitchFamily="50" charset="0"/>
-              </a:rPr>
-              <a:t> </a:t>
-            </a:r>
-            <a:r>
-              <a:rPr lang="en-US" sz="2000" dirty="0" err="1">
-                <a:latin typeface="UT Sans" pitchFamily="50" charset="0"/>
-              </a:rPr>
-              <a:t>avansate</a:t>
-            </a:r>
-            <a:r>
-              <a:rPr lang="en-US" sz="2000" dirty="0">
-                <a:latin typeface="UT Sans" pitchFamily="50" charset="0"/>
-              </a:rPr>
-              <a:t> de </a:t>
-            </a:r>
-            <a:r>
-              <a:rPr lang="en-US" sz="2000" dirty="0" err="1">
-                <a:latin typeface="UT Sans" pitchFamily="50" charset="0"/>
-              </a:rPr>
-              <a:t>învățare</a:t>
-            </a:r>
-            <a:r>
-              <a:rPr lang="en-US" sz="2000" dirty="0">
-                <a:latin typeface="UT Sans" pitchFamily="50" charset="0"/>
-              </a:rPr>
-              <a:t> automata</a:t>
-            </a:r>
+              <a:rPr lang="it-IT" sz="2000" dirty="0" err="1">
+                <a:latin typeface="UT Sans" pitchFamily="50" charset="0"/>
+              </a:rPr>
+              <a:t>aplicații</a:t>
+            </a:r>
+            <a:r>
+              <a:rPr lang="it-IT" sz="2000" dirty="0">
+                <a:latin typeface="UT Sans" pitchFamily="50" charset="0"/>
+              </a:rPr>
+              <a:t> mobile </a:t>
+            </a:r>
+            <a:r>
+              <a:rPr lang="it-IT" sz="2000" dirty="0" err="1">
+                <a:latin typeface="UT Sans" pitchFamily="50" charset="0"/>
+              </a:rPr>
+              <a:t>pentru</a:t>
+            </a:r>
+            <a:r>
+              <a:rPr lang="it-IT" sz="2000" dirty="0">
+                <a:latin typeface="UT Sans" pitchFamily="50" charset="0"/>
+              </a:rPr>
+              <a:t> medici</a:t>
+            </a:r>
+            <a:endParaRPr lang="en-US" sz="2000" dirty="0">
+              <a:latin typeface="UT Sans" pitchFamily="50" charset="0"/>
+            </a:endParaRPr>
           </a:p>
           <a:p>
             <a:pPr marL="342900" indent="-342900" algn="just">
@@ -9517,7 +9476,19 @@
               <a:rPr lang="en-US" sz="2000" dirty="0" err="1">
                 <a:latin typeface="UT Sans" pitchFamily="50" charset="0"/>
               </a:rPr>
-              <a:t>diagnosticarea</a:t>
+              <a:t>identificarea</a:t>
+            </a:r>
+            <a:r>
+              <a:rPr lang="en-US" sz="2000" dirty="0">
+                <a:latin typeface="UT Sans" pitchFamily="50" charset="0"/>
+              </a:rPr>
+              <a:t> </a:t>
+            </a:r>
+            <a:r>
+              <a:rPr lang="en-US" sz="2000" dirty="0" err="1">
+                <a:latin typeface="UT Sans" pitchFamily="50" charset="0"/>
+              </a:rPr>
+              <a:t>cauzelor</a:t>
             </a:r>
             <a:r>
               <a:rPr lang="en-US" sz="2000" dirty="0">
@@ -11253,7 +11224,7 @@
         </p:blipFill>
         <p:spPr>
           <a:xfrm>
-            <a:off x="2167274" y="2636912"/>
+            <a:off x="2167274" y="2518509"/>
             <a:ext cx="4809452" cy="3880464"/>
           </a:xfrm>
           <a:prstGeom prst="rect">
@@ -11261,6 +11232,85 @@
           </a:prstGeom>
         </p:spPr>
       </p:pic>
+      <p:sp>
+        <p:nvSpPr>
+          <p:cNvPr id="3" name="TextBox 2">
+            <a:extLst>
+              <a:ext uri="{FF2B5EF4-FFF2-40B4-BE49-F238E27FC236}">
+                <a16:creationId xmlns:a16="http://schemas.microsoft.com/office/drawing/2014/main" id="{BE37D1EA-82FC-E15A-5092-BD79E06D7895}"/>
+              </a:ext>
+            </a:extLst>
+          </p:cNvPr>
+          <p:cNvSpPr txBox="1"/>
+          <p:nvPr/>
+        </p:nvSpPr>
+        <p:spPr>
+          <a:xfrm>
+            <a:off x="2167274" y="6398973"/>
+            <a:ext cx="4809452" cy="307777"/>
+          </a:xfrm>
+          <a:prstGeom prst="rect">
+            <a:avLst/>
+          </a:prstGeom>
+          <a:noFill/>
+        </p:spPr>
+        <p:txBody>
+          <a:bodyPr wrap="square" rtlCol="0">
+            <a:spAutoFit/>
+          </a:bodyPr>
+          <a:lstStyle/>
+          <a:p>
+            <a:pPr algn="ctr"/>
+            <a:r>
+              <a:rPr lang="en-US" sz="1400" dirty="0" err="1">
+                <a:latin typeface="UT Sans" panose="00000500000000000000" pitchFamily="2" charset="0"/>
+              </a:rPr>
+              <a:t>Arhitectura</a:t>
+            </a:r>
+            <a:r>
+              <a:rPr lang="en-US" sz="1400" dirty="0">
+                <a:latin typeface="UT Sans" panose="00000500000000000000" pitchFamily="2" charset="0"/>
+              </a:rPr>
+              <a:t> </a:t>
+            </a:r>
+            <a:r>
+              <a:rPr lang="en-US" sz="1400" dirty="0" err="1">
+                <a:latin typeface="UT Sans" panose="00000500000000000000" pitchFamily="2" charset="0"/>
+              </a:rPr>
+              <a:t>aplica</a:t>
+            </a:r>
+            <a:r>
+              <a:rPr lang="ro-RO" sz="1400" dirty="0">
+                <a:latin typeface="UT Sans" panose="00000500000000000000" pitchFamily="2" charset="0"/>
+                <a:ea typeface="UT Symbols" charset="0"/>
+                <a:cs typeface="UT Symbols" charset="0"/>
+              </a:rPr>
+              <a:t>ț</a:t>
+            </a:r>
+            <a:r>
+              <a:rPr lang="en-US" sz="1400" dirty="0" err="1">
+                <a:latin typeface="UT Sans" panose="00000500000000000000" pitchFamily="2" charset="0"/>
+              </a:rPr>
+              <a:t>iei</a:t>
+            </a:r>
+            <a:r>
+              <a:rPr lang="en-US" sz="1400" dirty="0">
+                <a:latin typeface="UT Sans" panose="00000500000000000000" pitchFamily="2" charset="0"/>
+              </a:rPr>
+              <a:t> </a:t>
+            </a:r>
+            <a:r>
+              <a:rPr lang="en-US" sz="1400" dirty="0" err="1">
+                <a:latin typeface="UT Sans" panose="00000500000000000000" pitchFamily="2" charset="0"/>
+              </a:rPr>
+              <a:t>CauseIT</a:t>
+            </a:r>
+            <a:endParaRPr lang="en-US" sz="1400" dirty="0">
+              <a:latin typeface="UT Sans" panose="00000500000000000000" pitchFamily="2" charset="0"/>
+            </a:endParaRPr>
+          </a:p>
+        </p:txBody>
+      </p:sp>
     </p:spTree>
     <p:extLst>
       <p:ext uri="{BB962C8B-B14F-4D97-AF65-F5344CB8AC3E}">

--- a/Documents/Thesis Presentation.pptx
+++ b/Documents/Thesis Presentation.pptx
@@ -219,7 +219,7 @@
           <a:p>
             <a:fld id="{0E1EABD1-AD18-4826-B8CF-BE30E3309403}" type="datetimeFigureOut">
               <a:rPr lang="en-US" smtClean="0"/>
-              <a:t>6/27/2024</a:t>
+              <a:t>6/28/2024</a:t>
             </a:fld>
             <a:endParaRPr lang="en-US"/>
           </a:p>
@@ -2643,25 +2643,43 @@
                 <a:ea typeface="Aptos" panose="020B0004020202020204" pitchFamily="34" charset="0"/>
                 <a:cs typeface="Times New Roman" panose="02020603050405020304" pitchFamily="18" charset="0"/>
               </a:rPr>
-              <a:t> de date </a:t>
-            </a:r>
-            <a:r>
-              <a:rPr lang="en-US" sz="1800" kern="100" dirty="0" err="1">
-                <a:effectLst/>
-                <a:latin typeface="Times New Roman" panose="02020603050405020304" pitchFamily="18" charset="0"/>
-                <a:ea typeface="Aptos" panose="020B0004020202020204" pitchFamily="34" charset="0"/>
-                <a:cs typeface="Times New Roman" panose="02020603050405020304" pitchFamily="18" charset="0"/>
-              </a:rPr>
-              <a:t>aferente</a:t>
-            </a:r>
-            <a:r>
-              <a:rPr lang="en-US" sz="1800" kern="100" dirty="0">
-                <a:effectLst/>
-                <a:latin typeface="Times New Roman" panose="02020603050405020304" pitchFamily="18" charset="0"/>
-                <a:ea typeface="Aptos" panose="020B0004020202020204" pitchFamily="34" charset="0"/>
-                <a:cs typeface="Times New Roman" panose="02020603050405020304" pitchFamily="18" charset="0"/>
-              </a:rPr>
-              <a:t>, a </a:t>
+              <a:t> de date din </a:t>
+            </a:r>
+            <a:r>
+              <a:rPr lang="en-US" sz="1800" kern="100" dirty="0" err="1">
+                <a:effectLst/>
+                <a:latin typeface="Times New Roman" panose="02020603050405020304" pitchFamily="18" charset="0"/>
+                <a:ea typeface="Aptos" panose="020B0004020202020204" pitchFamily="34" charset="0"/>
+                <a:cs typeface="Times New Roman" panose="02020603050405020304" pitchFamily="18" charset="0"/>
+              </a:rPr>
+              <a:t>acest</a:t>
+            </a:r>
+            <a:r>
+              <a:rPr lang="en-US" sz="1800" kern="100" dirty="0">
+                <a:effectLst/>
+                <a:latin typeface="Times New Roman" panose="02020603050405020304" pitchFamily="18" charset="0"/>
+                <a:ea typeface="Aptos" panose="020B0004020202020204" pitchFamily="34" charset="0"/>
+                <a:cs typeface="Times New Roman" panose="02020603050405020304" pitchFamily="18" charset="0"/>
+              </a:rPr>
+              <a:t> </a:t>
+            </a:r>
+            <a:r>
+              <a:rPr lang="en-US" sz="1800" kern="100">
+                <a:effectLst/>
+                <a:latin typeface="Times New Roman" panose="02020603050405020304" pitchFamily="18" charset="0"/>
+                <a:ea typeface="Aptos" panose="020B0004020202020204" pitchFamily="34" charset="0"/>
+                <a:cs typeface="Times New Roman" panose="02020603050405020304" pitchFamily="18" charset="0"/>
+              </a:rPr>
+              <a:t>domeniu, </a:t>
+            </a:r>
+            <a:r>
+              <a:rPr lang="en-US" sz="1800" kern="100" dirty="0">
+                <a:effectLst/>
+                <a:latin typeface="Times New Roman" panose="02020603050405020304" pitchFamily="18" charset="0"/>
+                <a:ea typeface="Aptos" panose="020B0004020202020204" pitchFamily="34" charset="0"/>
+                <a:cs typeface="Times New Roman" panose="02020603050405020304" pitchFamily="18" charset="0"/>
+              </a:rPr>
+              <a:t>a </a:t>
             </a:r>
             <a:r>
               <a:rPr lang="en-US" sz="1800" kern="100" dirty="0" err="1">
@@ -8910,7 +8928,7 @@
           <a:p>
             <a:fld id="{C6D98F47-2055-4D27-8B30-9F446B1F5CF2}" type="datetime1">
               <a:rPr lang="en-US" smtClean="0"/>
-              <a:t>6/27/2024</a:t>
+              <a:t>6/28/2024</a:t>
             </a:fld>
             <a:endParaRPr lang="en-US"/>
           </a:p>
@@ -9073,7 +9091,7 @@
           <a:p>
             <a:fld id="{6734669A-2A1E-4F76-8E1B-BB7B7C5F5AA3}" type="datetime1">
               <a:rPr lang="en-US" smtClean="0"/>
-              <a:t>6/27/2024</a:t>
+              <a:t>6/28/2024</a:t>
             </a:fld>
             <a:endParaRPr lang="en-US"/>
           </a:p>
@@ -9246,7 +9264,7 @@
           <a:p>
             <a:fld id="{8A0BCD78-D4F1-4992-9A9A-03A6635DF7C9}" type="datetime1">
               <a:rPr lang="en-US" smtClean="0"/>
-              <a:t>6/27/2024</a:t>
+              <a:t>6/28/2024</a:t>
             </a:fld>
             <a:endParaRPr lang="en-US"/>
           </a:p>
@@ -9409,7 +9427,7 @@
           <a:p>
             <a:fld id="{B57F4891-25DF-4AED-BAD0-1CE4306B8435}" type="datetime1">
               <a:rPr lang="en-US" smtClean="0"/>
-              <a:t>6/27/2024</a:t>
+              <a:t>6/28/2024</a:t>
             </a:fld>
             <a:endParaRPr lang="en-US"/>
           </a:p>
@@ -9649,7 +9667,7 @@
           <a:p>
             <a:fld id="{68671D51-55E0-4853-9A31-CFB54FCCE0AE}" type="datetime1">
               <a:rPr lang="en-US" smtClean="0"/>
-              <a:t>6/27/2024</a:t>
+              <a:t>6/28/2024</a:t>
             </a:fld>
             <a:endParaRPr lang="en-US"/>
           </a:p>
@@ -9873,7 +9891,7 @@
           <a:p>
             <a:fld id="{1368D04E-25FC-4701-A3EF-1B9DA49279A8}" type="datetime1">
               <a:rPr lang="en-US" smtClean="0"/>
-              <a:t>6/27/2024</a:t>
+              <a:t>6/28/2024</a:t>
             </a:fld>
             <a:endParaRPr lang="en-US"/>
           </a:p>
@@ -10232,7 +10250,7 @@
           <a:p>
             <a:fld id="{F7DA7105-D83D-480C-86E3-70EB6F4A0C33}" type="datetime1">
               <a:rPr lang="en-US" smtClean="0"/>
-              <a:t>6/27/2024</a:t>
+              <a:t>6/28/2024</a:t>
             </a:fld>
             <a:endParaRPr lang="en-US"/>
           </a:p>
@@ -10344,7 +10362,7 @@
           <a:p>
             <a:fld id="{5C9F4FC2-99D0-4AC4-BEF7-8BCB3B7543B2}" type="datetime1">
               <a:rPr lang="en-US" smtClean="0"/>
-              <a:t>6/27/2024</a:t>
+              <a:t>6/28/2024</a:t>
             </a:fld>
             <a:endParaRPr lang="en-US"/>
           </a:p>
@@ -10434,7 +10452,7 @@
           <a:p>
             <a:fld id="{B6A25463-D639-4810-8951-09B6FB510F44}" type="datetime1">
               <a:rPr lang="en-US" smtClean="0"/>
-              <a:t>6/27/2024</a:t>
+              <a:t>6/28/2024</a:t>
             </a:fld>
             <a:endParaRPr lang="en-US"/>
           </a:p>
@@ -10704,7 +10722,7 @@
           <a:p>
             <a:fld id="{8948EE34-FFFF-43AF-B9D1-013E5C4ABB86}" type="datetime1">
               <a:rPr lang="en-US" smtClean="0"/>
-              <a:t>6/27/2024</a:t>
+              <a:t>6/28/2024</a:t>
             </a:fld>
             <a:endParaRPr lang="en-US"/>
           </a:p>
@@ -10951,7 +10969,7 @@
           <a:p>
             <a:fld id="{DBFFC16C-F7BE-4D8A-8A1C-29F54F03BCA1}" type="datetime1">
               <a:rPr lang="en-US" smtClean="0"/>
-              <a:t>6/27/2024</a:t>
+              <a:t>6/28/2024</a:t>
             </a:fld>
             <a:endParaRPr lang="en-US"/>
           </a:p>
@@ -11157,7 +11175,7 @@
           <a:p>
             <a:fld id="{60F66ED6-9401-405F-AF8A-3DD8180338D9}" type="datetime1">
               <a:rPr lang="en-US" smtClean="0"/>
-              <a:t>6/27/2024</a:t>
+              <a:t>6/28/2024</a:t>
             </a:fld>
             <a:endParaRPr lang="en-US"/>
           </a:p>
